--- a/images/Ciencia_politica.pptx
+++ b/images/Ciencia_politica.pptx
@@ -243,7 +243,7 @@
           <a:p>
             <a:fld id="{9F2D49BF-BE7C-4625-B53A-FC6215C776EF}" type="datetimeFigureOut">
               <a:rPr lang="es-ES" smtClean="0"/>
-              <a:t>17/07/2021</a:t>
+              <a:t>22/08/2021</a:t>
             </a:fld>
             <a:endParaRPr lang="es-ES"/>
           </a:p>
@@ -413,7 +413,7 @@
           <a:p>
             <a:fld id="{9F2D49BF-BE7C-4625-B53A-FC6215C776EF}" type="datetimeFigureOut">
               <a:rPr lang="es-ES" smtClean="0"/>
-              <a:t>17/07/2021</a:t>
+              <a:t>22/08/2021</a:t>
             </a:fld>
             <a:endParaRPr lang="es-ES"/>
           </a:p>
@@ -593,7 +593,7 @@
           <a:p>
             <a:fld id="{9F2D49BF-BE7C-4625-B53A-FC6215C776EF}" type="datetimeFigureOut">
               <a:rPr lang="es-ES" smtClean="0"/>
-              <a:t>17/07/2021</a:t>
+              <a:t>22/08/2021</a:t>
             </a:fld>
             <a:endParaRPr lang="es-ES"/>
           </a:p>
@@ -763,7 +763,7 @@
           <a:p>
             <a:fld id="{9F2D49BF-BE7C-4625-B53A-FC6215C776EF}" type="datetimeFigureOut">
               <a:rPr lang="es-ES" smtClean="0"/>
-              <a:t>17/07/2021</a:t>
+              <a:t>22/08/2021</a:t>
             </a:fld>
             <a:endParaRPr lang="es-ES"/>
           </a:p>
@@ -1007,7 +1007,7 @@
           <a:p>
             <a:fld id="{9F2D49BF-BE7C-4625-B53A-FC6215C776EF}" type="datetimeFigureOut">
               <a:rPr lang="es-ES" smtClean="0"/>
-              <a:t>17/07/2021</a:t>
+              <a:t>22/08/2021</a:t>
             </a:fld>
             <a:endParaRPr lang="es-ES"/>
           </a:p>
@@ -1239,7 +1239,7 @@
           <a:p>
             <a:fld id="{9F2D49BF-BE7C-4625-B53A-FC6215C776EF}" type="datetimeFigureOut">
               <a:rPr lang="es-ES" smtClean="0"/>
-              <a:t>17/07/2021</a:t>
+              <a:t>22/08/2021</a:t>
             </a:fld>
             <a:endParaRPr lang="es-ES"/>
           </a:p>
@@ -1606,7 +1606,7 @@
           <a:p>
             <a:fld id="{9F2D49BF-BE7C-4625-B53A-FC6215C776EF}" type="datetimeFigureOut">
               <a:rPr lang="es-ES" smtClean="0"/>
-              <a:t>17/07/2021</a:t>
+              <a:t>22/08/2021</a:t>
             </a:fld>
             <a:endParaRPr lang="es-ES"/>
           </a:p>
@@ -1724,7 +1724,7 @@
           <a:p>
             <a:fld id="{9F2D49BF-BE7C-4625-B53A-FC6215C776EF}" type="datetimeFigureOut">
               <a:rPr lang="es-ES" smtClean="0"/>
-              <a:t>17/07/2021</a:t>
+              <a:t>22/08/2021</a:t>
             </a:fld>
             <a:endParaRPr lang="es-ES"/>
           </a:p>
@@ -1819,7 +1819,7 @@
           <a:p>
             <a:fld id="{9F2D49BF-BE7C-4625-B53A-FC6215C776EF}" type="datetimeFigureOut">
               <a:rPr lang="es-ES" smtClean="0"/>
-              <a:t>17/07/2021</a:t>
+              <a:t>22/08/2021</a:t>
             </a:fld>
             <a:endParaRPr lang="es-ES"/>
           </a:p>
@@ -2096,7 +2096,7 @@
           <a:p>
             <a:fld id="{9F2D49BF-BE7C-4625-B53A-FC6215C776EF}" type="datetimeFigureOut">
               <a:rPr lang="es-ES" smtClean="0"/>
-              <a:t>17/07/2021</a:t>
+              <a:t>22/08/2021</a:t>
             </a:fld>
             <a:endParaRPr lang="es-ES"/>
           </a:p>
@@ -2353,7 +2353,7 @@
           <a:p>
             <a:fld id="{9F2D49BF-BE7C-4625-B53A-FC6215C776EF}" type="datetimeFigureOut">
               <a:rPr lang="es-ES" smtClean="0"/>
-              <a:t>17/07/2021</a:t>
+              <a:t>22/08/2021</a:t>
             </a:fld>
             <a:endParaRPr lang="es-ES"/>
           </a:p>
@@ -2566,7 +2566,7 @@
           <a:p>
             <a:fld id="{9F2D49BF-BE7C-4625-B53A-FC6215C776EF}" type="datetimeFigureOut">
               <a:rPr lang="es-ES" smtClean="0"/>
-              <a:t>17/07/2021</a:t>
+              <a:t>22/08/2021</a:t>
             </a:fld>
             <a:endParaRPr lang="es-ES"/>
           </a:p>
@@ -3186,7 +3186,7 @@
                 </a:solidFill>
                 <a:latin typeface="Garamond" panose="02020404030301010803" pitchFamily="18" charset="0"/>
               </a:rPr>
-              <a:t>Ciencia Política:</a:t>
+              <a:t>Ciencia política:</a:t>
             </a:r>
           </a:p>
           <a:p>
@@ -3198,8 +3198,23 @@
                 </a:solidFill>
                 <a:latin typeface="Garamond" panose="02020404030301010803" pitchFamily="18" charset="0"/>
               </a:rPr>
-              <a:t>Teoría y Práctica</a:t>
-            </a:r>
+              <a:t>Teoría </a:t>
+            </a:r>
+            <a:r>
+              <a:rPr lang="es-ES" sz="5000" b="1">
+                <a:solidFill>
+                  <a:schemeClr val="bg1"/>
+                </a:solidFill>
+                <a:latin typeface="Garamond" panose="02020404030301010803" pitchFamily="18" charset="0"/>
+              </a:rPr>
+              <a:t>y práctica</a:t>
+            </a:r>
+            <a:endParaRPr lang="es-ES" sz="5000" b="1" dirty="0">
+              <a:solidFill>
+                <a:schemeClr val="bg1"/>
+              </a:solidFill>
+              <a:latin typeface="Garamond" panose="02020404030301010803" pitchFamily="18" charset="0"/>
+            </a:endParaRPr>
           </a:p>
         </p:txBody>
       </p:sp>
